--- a/LCC/Java/09字串一定要會.pptx
+++ b/LCC/Java/09字串一定要會.pptx
@@ -850,7 +850,7 @@
             <a:fld id="{B61BEF0D-F0BB-DE4B-95CE-6DB70DBA9567}" type="datetimeFigureOut">
               <a:rPr lang="en-US" dirty="0"/>
               <a:pPr/>
-              <a:t>12/9/2020</a:t>
+              <a:t>12/27/2020</a:t>
             </a:fld>
             <a:endParaRPr lang="en-US" dirty="0"/>
           </a:p>
@@ -1098,7 +1098,7 @@
             <a:fld id="{B61BEF0D-F0BB-DE4B-95CE-6DB70DBA9567}" type="datetimeFigureOut">
               <a:rPr lang="en-US" dirty="0"/>
               <a:pPr/>
-              <a:t>12/9/2020</a:t>
+              <a:t>12/27/2020</a:t>
             </a:fld>
             <a:endParaRPr lang="en-US" dirty="0"/>
           </a:p>
@@ -1409,7 +1409,7 @@
             <a:fld id="{B61BEF0D-F0BB-DE4B-95CE-6DB70DBA9567}" type="datetimeFigureOut">
               <a:rPr lang="en-US" dirty="0"/>
               <a:pPr/>
-              <a:t>12/9/2020</a:t>
+              <a:t>12/27/2020</a:t>
             </a:fld>
             <a:endParaRPr lang="en-US" dirty="0"/>
           </a:p>
@@ -1747,7 +1747,7 @@
             <a:fld id="{B61BEF0D-F0BB-DE4B-95CE-6DB70DBA9567}" type="datetimeFigureOut">
               <a:rPr lang="en-US" dirty="0"/>
               <a:pPr/>
-              <a:t>12/9/2020</a:t>
+              <a:t>12/27/2020</a:t>
             </a:fld>
             <a:endParaRPr lang="en-US" dirty="0"/>
           </a:p>
@@ -2058,7 +2058,7 @@
             <a:fld id="{B61BEF0D-F0BB-DE4B-95CE-6DB70DBA9567}" type="datetimeFigureOut">
               <a:rPr lang="en-US" dirty="0"/>
               <a:pPr/>
-              <a:t>12/9/2020</a:t>
+              <a:t>12/27/2020</a:t>
             </a:fld>
             <a:endParaRPr lang="en-US" dirty="0"/>
           </a:p>
@@ -2448,7 +2448,7 @@
             <a:fld id="{B61BEF0D-F0BB-DE4B-95CE-6DB70DBA9567}" type="datetimeFigureOut">
               <a:rPr lang="en-US" dirty="0"/>
               <a:pPr/>
-              <a:t>12/9/2020</a:t>
+              <a:t>12/27/2020</a:t>
             </a:fld>
             <a:endParaRPr lang="en-US" dirty="0"/>
           </a:p>
@@ -2614,7 +2614,7 @@
           <a:p>
             <a:fld id="{55C6B4A9-1611-4792-9094-5F34BCA07E0B}" type="datetimeFigureOut">
               <a:rPr lang="en-US" dirty="0"/>
-              <a:t>12/9/2020</a:t>
+              <a:t>12/27/2020</a:t>
             </a:fld>
             <a:endParaRPr lang="en-US" dirty="0"/>
           </a:p>
@@ -2790,7 +2790,7 @@
             <a:fld id="{B61BEF0D-F0BB-DE4B-95CE-6DB70DBA9567}" type="datetimeFigureOut">
               <a:rPr lang="en-US" dirty="0"/>
               <a:pPr/>
-              <a:t>12/9/2020</a:t>
+              <a:t>12/27/2020</a:t>
             </a:fld>
             <a:endParaRPr lang="en-US" dirty="0"/>
           </a:p>
@@ -2987,7 +2987,7 @@
             <a:fld id="{B61BEF0D-F0BB-DE4B-95CE-6DB70DBA9567}" type="datetimeFigureOut">
               <a:rPr lang="en-US" dirty="0"/>
               <a:pPr/>
-              <a:t>12/9/2020</a:t>
+              <a:t>12/27/2020</a:t>
             </a:fld>
             <a:endParaRPr lang="en-US" dirty="0"/>
           </a:p>
@@ -3260,7 +3260,7 @@
             <a:fld id="{B61BEF0D-F0BB-DE4B-95CE-6DB70DBA9567}" type="datetimeFigureOut">
               <a:rPr lang="en-US" dirty="0"/>
               <a:pPr/>
-              <a:t>12/9/2020</a:t>
+              <a:t>12/27/2020</a:t>
             </a:fld>
             <a:endParaRPr lang="en-US" dirty="0"/>
           </a:p>
@@ -3488,7 +3488,7 @@
           <a:p>
             <a:fld id="{EB712588-04B1-427B-82EE-E8DB90309F08}" type="datetimeFigureOut">
               <a:rPr lang="en-US" dirty="0"/>
-              <a:t>12/9/2020</a:t>
+              <a:t>12/27/2020</a:t>
             </a:fld>
             <a:endParaRPr lang="en-US" dirty="0"/>
           </a:p>
@@ -3887,7 +3887,7 @@
             <a:fld id="{B61BEF0D-F0BB-DE4B-95CE-6DB70DBA9567}" type="datetimeFigureOut">
               <a:rPr lang="en-US" dirty="0"/>
               <a:pPr/>
-              <a:t>12/9/2020</a:t>
+              <a:t>12/27/2020</a:t>
             </a:fld>
             <a:endParaRPr lang="en-US" dirty="0"/>
           </a:p>
@@ -4036,7 +4036,7 @@
             <a:fld id="{B61BEF0D-F0BB-DE4B-95CE-6DB70DBA9567}" type="datetimeFigureOut">
               <a:rPr lang="en-US" dirty="0"/>
               <a:pPr/>
-              <a:t>12/9/2020</a:t>
+              <a:t>12/27/2020</a:t>
             </a:fld>
             <a:endParaRPr lang="en-US" dirty="0"/>
           </a:p>
@@ -4128,7 +4128,7 @@
             <a:fld id="{B61BEF0D-F0BB-DE4B-95CE-6DB70DBA9567}" type="datetimeFigureOut">
               <a:rPr lang="en-US" dirty="0"/>
               <a:pPr/>
-              <a:t>12/9/2020</a:t>
+              <a:t>12/27/2020</a:t>
             </a:fld>
             <a:endParaRPr lang="en-US" dirty="0"/>
           </a:p>
@@ -4379,7 +4379,7 @@
           <a:p>
             <a:fld id="{42A54C80-263E-416B-A8E0-580EDEADCBDC}" type="datetimeFigureOut">
               <a:rPr lang="en-US" dirty="0"/>
-              <a:t>12/9/2020</a:t>
+              <a:t>12/27/2020</a:t>
             </a:fld>
             <a:endParaRPr lang="en-US" dirty="0"/>
           </a:p>
@@ -4638,7 +4638,7 @@
             <a:fld id="{B61BEF0D-F0BB-DE4B-95CE-6DB70DBA9567}" type="datetimeFigureOut">
               <a:rPr lang="en-US" dirty="0"/>
               <a:pPr/>
-              <a:t>12/9/2020</a:t>
+              <a:t>12/27/2020</a:t>
             </a:fld>
             <a:endParaRPr lang="en-US" dirty="0"/>
           </a:p>
@@ -5378,7 +5378,7 @@
             <a:fld id="{B61BEF0D-F0BB-DE4B-95CE-6DB70DBA9567}" type="datetimeFigureOut">
               <a:rPr lang="en-US" dirty="0"/>
               <a:pPr/>
-              <a:t>12/9/2020</a:t>
+              <a:t>12/27/2020</a:t>
             </a:fld>
             <a:endParaRPr lang="en-US" dirty="0"/>
           </a:p>
@@ -5461,6 +5461,47 @@
           </a:p>
         </p:txBody>
       </p:sp>
+      <p:pic>
+        <p:nvPicPr>
+          <p:cNvPr id="18" name="Picture 4" descr="Java 9至12的一些新功能（第一集） - 英國金融界Programmer求職求學記"/>
+          <p:cNvPicPr>
+            <a:picLocks noChangeAspect="1" noChangeArrowheads="1"/>
+          </p:cNvPicPr>
+          <p:nvPr userDrawn="1"/>
+        </p:nvPicPr>
+        <p:blipFill>
+          <a:blip r:embed="rId18" cstate="print">
+            <a:extLst>
+              <a:ext uri="{28A0092B-C50C-407E-A947-70E740481C1C}">
+                <a14:useLocalDpi xmlns:a14="http://schemas.microsoft.com/office/drawing/2010/main" val="0"/>
+              </a:ext>
+            </a:extLst>
+          </a:blip>
+          <a:srcRect/>
+          <a:stretch>
+            <a:fillRect/>
+          </a:stretch>
+        </p:blipFill>
+        <p:spPr bwMode="auto">
+          <a:xfrm>
+            <a:off x="168306" y="10541"/>
+            <a:ext cx="835742" cy="467868"/>
+          </a:xfrm>
+          <a:prstGeom prst="rect">
+            <a:avLst/>
+          </a:prstGeom>
+          <a:noFill/>
+          <a:extLst>
+            <a:ext uri="{909E8E84-426E-40DD-AFC4-6F175D3DCCD1}">
+              <a14:hiddenFill xmlns:a14="http://schemas.microsoft.com/office/drawing/2010/main">
+                <a:solidFill>
+                  <a:srgbClr val="FFFFFF"/>
+                </a:solidFill>
+              </a14:hiddenFill>
+            </a:ext>
+          </a:extLst>
+        </p:spPr>
+      </p:pic>
     </p:spTree>
   </p:cSld>
   <p:clrMap bg1="lt1" tx1="dk1" bg2="lt2" tx2="dk2" accent1="accent1" accent2="accent2" accent3="accent3" accent4="accent4" accent5="accent5" accent6="accent6" hlink="hlink" folHlink="folHlink"/>
@@ -5943,7 +5984,7 @@
             <a:fld id="{4805910D-2C61-424F-80CE-807290CF0E1E}" type="datetime4">
               <a:rPr lang="zh-TW" altLang="zh-TW"/>
               <a:pPr/>
-              <a:t>109年12月9日星期三</a:t>
+              <a:t>109年12月27日星期日</a:t>
             </a:fld>
             <a:endParaRPr lang="zh-TW" altLang="en-US" dirty="0"/>
           </a:p>
@@ -5952,6 +5993,47 @@
           </a:p>
         </p:txBody>
       </p:sp>
+      <p:pic>
+        <p:nvPicPr>
+          <p:cNvPr id="4" name="Picture 2" descr="Java 9至12的一些新功能（第一集） - 英國金融界Programmer求職求學記"/>
+          <p:cNvPicPr>
+            <a:picLocks noChangeAspect="1" noChangeArrowheads="1"/>
+          </p:cNvPicPr>
+          <p:nvPr/>
+        </p:nvPicPr>
+        <p:blipFill>
+          <a:blip r:embed="rId2" cstate="print">
+            <a:extLst>
+              <a:ext uri="{28A0092B-C50C-407E-A947-70E740481C1C}">
+                <a14:useLocalDpi xmlns:a14="http://schemas.microsoft.com/office/drawing/2010/main" val="0"/>
+              </a:ext>
+            </a:extLst>
+          </a:blip>
+          <a:srcRect/>
+          <a:stretch>
+            <a:fillRect/>
+          </a:stretch>
+        </p:blipFill>
+        <p:spPr bwMode="auto">
+          <a:xfrm>
+            <a:off x="827807" y="3437300"/>
+            <a:ext cx="4151248" cy="2323969"/>
+          </a:xfrm>
+          <a:prstGeom prst="rect">
+            <a:avLst/>
+          </a:prstGeom>
+          <a:noFill/>
+          <a:extLst>
+            <a:ext uri="{909E8E84-426E-40DD-AFC4-6F175D3DCCD1}">
+              <a14:hiddenFill xmlns:a14="http://schemas.microsoft.com/office/drawing/2010/main">
+                <a:solidFill>
+                  <a:srgbClr val="FFFFFF"/>
+                </a:solidFill>
+              </a14:hiddenFill>
+            </a:ext>
+          </a:extLst>
+        </p:spPr>
+      </p:pic>
     </p:spTree>
     <p:extLst>
       <p:ext uri="{BB962C8B-B14F-4D97-AF65-F5344CB8AC3E}">
@@ -8442,10 +8524,6 @@
               <a:rPr lang="zh-TW" altLang="en-US" dirty="0"/>
               <a:t>三者區別</a:t>
             </a:r>
-            <a:r>
-              <a:rPr lang="zh-TW" altLang="en-US" dirty="0"/>
-              <a:t/>
-            </a:r>
             <a:br>
               <a:rPr lang="zh-TW" altLang="en-US" dirty="0"/>
             </a:br>
@@ -8453,10 +8531,6 @@
               <a:rPr lang="zh-TW" altLang="en-US" dirty="0"/>
               <a:t>使用策略</a:t>
             </a:r>
-            <a:r>
-              <a:rPr lang="zh-TW" altLang="en-US" dirty="0"/>
-              <a:t/>
-            </a:r>
             <a:br>
               <a:rPr lang="zh-TW" altLang="en-US" dirty="0"/>
             </a:br>
@@ -8472,10 +8546,6 @@
               <a:rPr lang="en-US" altLang="zh-TW" dirty="0"/>
               <a:t>String</a:t>
             </a:r>
-            <a:r>
-              <a:rPr lang="en-US" altLang="zh-TW" dirty="0"/>
-              <a:t/>
-            </a:r>
             <a:br>
               <a:rPr lang="en-US" altLang="zh-TW" dirty="0"/>
             </a:br>
@@ -8490,10 +8560,6 @@
             <a:r>
               <a:rPr lang="zh-TW" altLang="en-US" dirty="0"/>
               <a:t>單線程操作大量數據  單執行序</a:t>
-            </a:r>
-            <a:r>
-              <a:rPr lang="zh-TW" altLang="en-US" dirty="0"/>
-              <a:t/>
             </a:r>
             <a:br>
               <a:rPr lang="zh-TW" altLang="en-US" dirty="0"/>
